--- a/restaurant_cuisine_location_ppt.pptx
+++ b/restaurant_cuisine_location_ppt.pptx
@@ -3349,8 +3349,17 @@
             </a:r>
             <a:r>
               <a:rPr lang="en-IN" dirty="0" smtClean="0"/>
-              <a:t>cuisine in cluster 0</a:t>
-            </a:r>
+              <a:t>cuisine in </a:t>
+            </a:r>
+            <a:r>
+              <a:rPr lang="en-IN" smtClean="0"/>
+              <a:t>cluster </a:t>
+            </a:r>
+            <a:r>
+              <a:rPr lang="en-IN" smtClean="0"/>
+              <a:t>4</a:t>
+            </a:r>
+            <a:endParaRPr lang="en-IN" dirty="0" smtClean="0"/>
           </a:p>
         </p:txBody>
       </p:sp>
